--- a/iOS行動程式基礎開發上架20堂課/第13堂課使用UIAlertController和使用者互動/swift-消滅實體.pptx
+++ b/iOS行動程式基礎開發上架20堂課/第13堂課使用UIAlertController和使用者互動/swift-消滅實體.pptx
@@ -33059,7 +33059,7 @@
         <p:spPr>
           <a:xfrm>
             <a:off x="585475" y="1127252"/>
-            <a:ext cx="4414948" cy="1071881"/>
+            <a:ext cx="3430265" cy="1341002"/>
           </a:xfrm>
           <a:prstGeom prst="rect">
             <a:avLst/>
@@ -33079,9 +33079,9 @@
           </a:bodyPr>
           <a:lstStyle/>
           <a:p>
-            <a:pPr marL="457200" indent="-317500" defTabSz="457200">
+            <a:pPr marL="502557" indent="-362857" defTabSz="457200">
               <a:lnSpc>
-                <a:spcPts val="3900"/>
+                <a:spcPts val="2500"/>
               </a:lnSpc>
               <a:spcBef>
                 <a:spcPts val="0"/>
@@ -33092,14 +33092,14 @@
               <a:buSzPct val="100000"/>
               <a:buFont typeface="Menlo"/>
               <a:buChar char="•"/>
-              <a:defRPr b="0">
+              <a:defRPr b="0" sz="1600">
                 <a:solidFill>
-                  <a:srgbClr val="AA0D91"/>
+                  <a:srgbClr val="5C2699"/>
                 </a:solidFill>
-                <a:latin typeface="Menlo"/>
-                <a:ea typeface="Menlo"/>
-                <a:cs typeface="Menlo"/>
-                <a:sym typeface="Menlo"/>
+                <a:latin typeface="Arial"/>
+                <a:ea typeface="Arial"/>
+                <a:cs typeface="Arial"/>
+                <a:sym typeface="Arial"/>
               </a:defRPr>
             </a:pPr>
             <a:r>
@@ -33120,9 +33120,9 @@
             </a:endParaRPr>
           </a:p>
           <a:p>
-            <a:pPr marL="457200" indent="-317500" defTabSz="457200">
+            <a:pPr marL="502557" indent="-362857" defTabSz="457200">
               <a:lnSpc>
-                <a:spcPts val="3900"/>
+                <a:spcPts val="2500"/>
               </a:lnSpc>
               <a:spcBef>
                 <a:spcPts val="0"/>
@@ -33133,14 +33133,14 @@
               <a:buSzPct val="100000"/>
               <a:buFont typeface="Menlo"/>
               <a:buChar char="•"/>
-              <a:defRPr b="0">
+              <a:defRPr b="0" sz="1600">
                 <a:solidFill>
-                  <a:srgbClr val="007400"/>
+                  <a:srgbClr val="5C2699"/>
                 </a:solidFill>
-                <a:latin typeface="Menlo"/>
-                <a:ea typeface="Menlo"/>
-                <a:cs typeface="Menlo"/>
-                <a:sym typeface="Menlo"/>
+                <a:latin typeface="Arial"/>
+                <a:ea typeface="Arial"/>
+                <a:cs typeface="Arial"/>
+                <a:sym typeface="Arial"/>
               </a:defRPr>
             </a:pPr>
             <a:r>
@@ -33161,9 +33161,9 @@
             </a:endParaRPr>
           </a:p>
           <a:p>
-            <a:pPr marL="457200" indent="-317500" defTabSz="457200">
+            <a:pPr marL="502557" indent="-362857" defTabSz="457200">
               <a:lnSpc>
-                <a:spcPts val="3900"/>
+                <a:spcPts val="2500"/>
               </a:lnSpc>
               <a:spcBef>
                 <a:spcPts val="0"/>
@@ -33174,14 +33174,14 @@
               <a:buSzPct val="100000"/>
               <a:buFont typeface="Menlo"/>
               <a:buChar char="•"/>
-              <a:defRPr b="0">
+              <a:defRPr b="0" sz="1600">
                 <a:solidFill>
-                  <a:srgbClr val="333333"/>
+                  <a:srgbClr val="5C2699"/>
                 </a:solidFill>
-                <a:latin typeface="Menlo"/>
-                <a:ea typeface="Menlo"/>
-                <a:cs typeface="Menlo"/>
-                <a:sym typeface="Menlo"/>
+                <a:latin typeface="Arial"/>
+                <a:ea typeface="Arial"/>
+                <a:cs typeface="Arial"/>
+                <a:sym typeface="Arial"/>
               </a:defRPr>
             </a:pPr>
             <a:r>
@@ -33333,8 +33333,8 @@
         </p:nvSpPr>
         <p:spPr>
           <a:xfrm>
-            <a:off x="929372" y="1447113"/>
-            <a:ext cx="6295875" cy="2136141"/>
+            <a:off x="916589" y="1089193"/>
+            <a:ext cx="7952047" cy="3563502"/>
           </a:xfrm>
           <a:prstGeom prst="rect">
             <a:avLst/>
@@ -33354,9 +33354,9 @@
           </a:bodyPr>
           <a:lstStyle/>
           <a:p>
-            <a:pPr marL="457200" indent="-317500" defTabSz="457200">
+            <a:pPr marL="647700" indent="-508000" defTabSz="457200">
               <a:lnSpc>
-                <a:spcPts val="2700"/>
+                <a:spcPts val="2500"/>
               </a:lnSpc>
               <a:spcBef>
                 <a:spcPts val="0"/>
@@ -33367,14 +33367,14 @@
               <a:buSzPct val="100000"/>
               <a:buFont typeface="Menlo"/>
               <a:buChar char="•"/>
-              <a:defRPr b="0" sz="1000">
+              <a:defRPr b="0" sz="1600">
                 <a:solidFill>
-                  <a:srgbClr val="AA0D91"/>
+                  <a:srgbClr val="5C2699"/>
                 </a:solidFill>
-                <a:latin typeface="Menlo"/>
-                <a:ea typeface="Menlo"/>
-                <a:cs typeface="Menlo"/>
-                <a:sym typeface="Menlo"/>
+                <a:latin typeface="Arial"/>
+                <a:ea typeface="Arial"/>
+                <a:cs typeface="Arial"/>
+                <a:sym typeface="Arial"/>
               </a:defRPr>
             </a:pPr>
             <a:r>
@@ -33411,9 +33411,9 @@
             </a:endParaRPr>
           </a:p>
           <a:p>
-            <a:pPr marL="457200" indent="-317500" defTabSz="457200">
+            <a:pPr marL="647700" indent="-508000" defTabSz="457200">
               <a:lnSpc>
-                <a:spcPts val="2700"/>
+                <a:spcPts val="2500"/>
               </a:lnSpc>
               <a:spcBef>
                 <a:spcPts val="0"/>
@@ -33424,14 +33424,14 @@
               <a:buSzPct val="100000"/>
               <a:buFont typeface="Menlo"/>
               <a:buChar char="•"/>
-              <a:defRPr b="0" sz="1000">
+              <a:defRPr b="0" sz="1600">
                 <a:solidFill>
-                  <a:srgbClr val="3F6E74"/>
+                  <a:srgbClr val="5C2699"/>
                 </a:solidFill>
-                <a:latin typeface="Menlo"/>
-                <a:ea typeface="Menlo"/>
-                <a:cs typeface="Menlo"/>
-                <a:sym typeface="Menlo"/>
+                <a:latin typeface="Arial"/>
+                <a:ea typeface="Arial"/>
+                <a:cs typeface="Arial"/>
+                <a:sym typeface="Arial"/>
               </a:defRPr>
             </a:pPr>
             <a:r>
@@ -33500,9 +33500,9 @@
             </a:endParaRPr>
           </a:p>
           <a:p>
-            <a:pPr marL="457200" indent="-317500" defTabSz="457200">
+            <a:pPr marL="647700" indent="-508000" defTabSz="457200">
               <a:lnSpc>
-                <a:spcPts val="2700"/>
+                <a:spcPts val="2500"/>
               </a:lnSpc>
               <a:spcBef>
                 <a:spcPts val="0"/>
@@ -33513,14 +33513,14 @@
               <a:buSzPct val="100000"/>
               <a:buFont typeface="Menlo"/>
               <a:buChar char="•"/>
-              <a:defRPr b="0" sz="1000">
+              <a:defRPr b="0" sz="1600">
                 <a:solidFill>
-                  <a:srgbClr val="3F6E74"/>
+                  <a:srgbClr val="5C2699"/>
                 </a:solidFill>
-                <a:latin typeface="Menlo"/>
-                <a:ea typeface="Menlo"/>
-                <a:cs typeface="Menlo"/>
-                <a:sym typeface="Menlo"/>
+                <a:latin typeface="Arial"/>
+                <a:ea typeface="Arial"/>
+                <a:cs typeface="Arial"/>
+                <a:sym typeface="Arial"/>
               </a:defRPr>
             </a:pPr>
             <a:r>
@@ -33597,11 +33597,6 @@
               <a:t>: </a:t>
             </a:r>
             <a:r>
-              <a:rPr>
-                <a:solidFill>
-                  <a:srgbClr val="5C2699"/>
-                </a:solidFill>
-              </a:rPr>
               <a:t>Int</a:t>
             </a:r>
             <a:r>
@@ -33613,11 +33608,6 @@
               <a:t>) -&gt; </a:t>
             </a:r>
             <a:r>
-              <a:rPr>
-                <a:solidFill>
-                  <a:srgbClr val="5C2699"/>
-                </a:solidFill>
-              </a:rPr>
               <a:t>Int</a:t>
             </a:r>
             <a:r>
@@ -33635,9 +33625,9 @@
             </a:endParaRPr>
           </a:p>
           <a:p>
-            <a:pPr marL="457200" indent="-317500" defTabSz="457200">
+            <a:pPr marL="647700" indent="-508000" defTabSz="457200">
               <a:lnSpc>
-                <a:spcPts val="2700"/>
+                <a:spcPts val="2500"/>
               </a:lnSpc>
               <a:spcBef>
                 <a:spcPts val="0"/>
@@ -33648,14 +33638,14 @@
               <a:buSzPct val="100000"/>
               <a:buFont typeface="Menlo"/>
               <a:buChar char="•"/>
-              <a:defRPr b="0" sz="1000">
+              <a:defRPr b="0" sz="1600">
                 <a:solidFill>
-                  <a:srgbClr val="3F6E74"/>
+                  <a:srgbClr val="5C2699"/>
                 </a:solidFill>
-                <a:latin typeface="Menlo"/>
-                <a:ea typeface="Menlo"/>
-                <a:cs typeface="Menlo"/>
-                <a:sym typeface="Menlo"/>
+                <a:latin typeface="Arial"/>
+                <a:ea typeface="Arial"/>
+                <a:cs typeface="Arial"/>
+                <a:sym typeface="Arial"/>
               </a:defRPr>
             </a:pPr>
             <a:r>
@@ -33733,9 +33723,9 @@
             </a:endParaRPr>
           </a:p>
           <a:p>
-            <a:pPr marL="457200" indent="-317500" defTabSz="457200">
+            <a:pPr marL="647700" indent="-508000" defTabSz="457200">
               <a:lnSpc>
-                <a:spcPts val="2700"/>
+                <a:spcPts val="2500"/>
               </a:lnSpc>
               <a:spcBef>
                 <a:spcPts val="0"/>
@@ -33746,14 +33736,14 @@
               <a:buSzPct val="100000"/>
               <a:buFont typeface="Menlo"/>
               <a:buChar char="•"/>
-              <a:defRPr b="0" sz="1000">
+              <a:defRPr b="0" sz="1600">
                 <a:solidFill>
-                  <a:srgbClr val="3F6E74"/>
+                  <a:srgbClr val="5C2699"/>
                 </a:solidFill>
-                <a:latin typeface="Menlo"/>
-                <a:ea typeface="Menlo"/>
-                <a:cs typeface="Menlo"/>
-                <a:sym typeface="Menlo"/>
+                <a:latin typeface="Arial"/>
+                <a:ea typeface="Arial"/>
+                <a:cs typeface="Arial"/>
+                <a:sym typeface="Arial"/>
               </a:defRPr>
             </a:pPr>
             <a:r>
@@ -33785,9 +33775,9 @@
             </a:endParaRPr>
           </a:p>
           <a:p>
-            <a:pPr marL="457200" indent="-317500" defTabSz="457200">
+            <a:pPr marL="647700" indent="-508000" defTabSz="457200">
               <a:lnSpc>
-                <a:spcPts val="2700"/>
+                <a:spcPts val="2500"/>
               </a:lnSpc>
               <a:spcBef>
                 <a:spcPts val="0"/>
@@ -33798,14 +33788,14 @@
               <a:buSzPct val="100000"/>
               <a:buFont typeface="Menlo"/>
               <a:buChar char="•"/>
-              <a:defRPr b="0" sz="1000">
+              <a:defRPr b="0" sz="1600">
                 <a:solidFill>
-                  <a:srgbClr val="3F6E74"/>
+                  <a:srgbClr val="5C2699"/>
                 </a:solidFill>
-                <a:latin typeface="Menlo"/>
-                <a:ea typeface="Menlo"/>
-                <a:cs typeface="Menlo"/>
-                <a:sym typeface="Menlo"/>
+                <a:latin typeface="Arial"/>
+                <a:ea typeface="Arial"/>
+                <a:cs typeface="Arial"/>
+                <a:sym typeface="Arial"/>
               </a:defRPr>
             </a:pPr>
             <a:r>
@@ -33842,9 +33832,9 @@
             </a:endParaRPr>
           </a:p>
           <a:p>
-            <a:pPr marL="457200" indent="-317500" defTabSz="457200">
+            <a:pPr marL="647700" indent="-508000" defTabSz="457200">
               <a:lnSpc>
-                <a:spcPts val="2700"/>
+                <a:spcPts val="2500"/>
               </a:lnSpc>
               <a:spcBef>
                 <a:spcPts val="0"/>
@@ -33855,14 +33845,14 @@
               <a:buSzPct val="100000"/>
               <a:buFont typeface="Menlo"/>
               <a:buChar char="•"/>
-              <a:defRPr b="0" sz="1000">
+              <a:defRPr b="0" sz="1600">
                 <a:solidFill>
-                  <a:srgbClr val="333333"/>
+                  <a:srgbClr val="5C2699"/>
                 </a:solidFill>
-                <a:latin typeface="Menlo"/>
-                <a:ea typeface="Menlo"/>
-                <a:cs typeface="Menlo"/>
-                <a:sym typeface="Menlo"/>
+                <a:latin typeface="Arial"/>
+                <a:ea typeface="Arial"/>
+                <a:cs typeface="Arial"/>
+                <a:sym typeface="Arial"/>
               </a:defRPr>
             </a:pPr>
             <a:r>
@@ -33870,9 +33860,9 @@
             </a:r>
           </a:p>
           <a:p>
-            <a:pPr marL="457200" indent="-317500" defTabSz="457200">
+            <a:pPr marL="647700" indent="-508000" defTabSz="457200">
               <a:lnSpc>
-                <a:spcPts val="2700"/>
+                <a:spcPts val="2500"/>
               </a:lnSpc>
               <a:spcBef>
                 <a:spcPts val="0"/>
@@ -33883,14 +33873,14 @@
               <a:buSzPct val="100000"/>
               <a:buFont typeface="Menlo"/>
               <a:buChar char="•"/>
-              <a:defRPr b="0" sz="1000">
+              <a:defRPr b="0" sz="1600">
                 <a:solidFill>
-                  <a:srgbClr val="333333"/>
+                  <a:srgbClr val="5C2699"/>
                 </a:solidFill>
-                <a:latin typeface="Menlo"/>
-                <a:ea typeface="Menlo"/>
-                <a:cs typeface="Menlo"/>
-                <a:sym typeface="Menlo"/>
+                <a:latin typeface="Arial"/>
+                <a:ea typeface="Arial"/>
+                <a:cs typeface="Arial"/>
+                <a:sym typeface="Arial"/>
               </a:defRPr>
             </a:pPr>
             <a:r>
@@ -33941,11 +33931,6 @@
               <a:t>: </a:t>
             </a:r>
             <a:r>
-              <a:rPr>
-                <a:solidFill>
-                  <a:srgbClr val="5C2699"/>
-                </a:solidFill>
-              </a:rPr>
               <a:t>Int</a:t>
             </a:r>
             <a:r>
@@ -33953,9 +33938,9 @@
             </a:r>
           </a:p>
           <a:p>
-            <a:pPr marL="457200" indent="-317500" defTabSz="457200">
+            <a:pPr marL="647700" indent="-508000" defTabSz="457200">
               <a:lnSpc>
-                <a:spcPts val="2700"/>
+                <a:spcPts val="2500"/>
               </a:lnSpc>
               <a:spcBef>
                 <a:spcPts val="0"/>
@@ -33966,14 +33951,14 @@
               <a:buSzPct val="100000"/>
               <a:buFont typeface="Menlo"/>
               <a:buChar char="•"/>
-              <a:defRPr b="0" sz="1000">
+              <a:defRPr b="0" sz="1600">
                 <a:solidFill>
-                  <a:srgbClr val="333333"/>
+                  <a:srgbClr val="5C2699"/>
                 </a:solidFill>
-                <a:latin typeface="Menlo"/>
-                <a:ea typeface="Menlo"/>
-                <a:cs typeface="Menlo"/>
-                <a:sym typeface="Menlo"/>
+                <a:latin typeface="Arial"/>
+                <a:ea typeface="Arial"/>
+                <a:cs typeface="Arial"/>
+                <a:sym typeface="Arial"/>
               </a:defRPr>
             </a:pPr>
             <a:r>
@@ -34000,9 +33985,9 @@
             </a:r>
           </a:p>
           <a:p>
-            <a:pPr marL="457200" indent="-317500" defTabSz="457200">
+            <a:pPr marL="647700" indent="-508000" defTabSz="457200">
               <a:lnSpc>
-                <a:spcPts val="2700"/>
+                <a:spcPts val="2500"/>
               </a:lnSpc>
               <a:spcBef>
                 <a:spcPts val="0"/>
@@ -34013,14 +33998,14 @@
               <a:buSzPct val="100000"/>
               <a:buFont typeface="Menlo"/>
               <a:buChar char="•"/>
-              <a:defRPr b="0" sz="1000">
+              <a:defRPr b="0" sz="1600">
                 <a:solidFill>
-                  <a:srgbClr val="333333"/>
+                  <a:srgbClr val="5C2699"/>
                 </a:solidFill>
-                <a:latin typeface="Menlo"/>
-                <a:ea typeface="Menlo"/>
-                <a:cs typeface="Menlo"/>
-                <a:sym typeface="Menlo"/>
+                <a:latin typeface="Arial"/>
+                <a:ea typeface="Arial"/>
+                <a:cs typeface="Arial"/>
+                <a:sym typeface="Arial"/>
               </a:defRPr>
             </a:pPr>
             <a:r>
@@ -34028,9 +34013,9 @@
             </a:r>
           </a:p>
           <a:p>
-            <a:pPr marL="457200" indent="-317500" defTabSz="457200">
+            <a:pPr marL="647700" indent="-508000" defTabSz="457200">
               <a:lnSpc>
-                <a:spcPts val="2700"/>
+                <a:spcPts val="2500"/>
               </a:lnSpc>
               <a:spcBef>
                 <a:spcPts val="0"/>
@@ -34041,14 +34026,14 @@
               <a:buSzPct val="100000"/>
               <a:buFont typeface="Menlo"/>
               <a:buChar char="•"/>
-              <a:defRPr b="0" sz="1000">
+              <a:defRPr b="0" sz="1600">
                 <a:solidFill>
-                  <a:srgbClr val="333333"/>
+                  <a:srgbClr val="5C2699"/>
                 </a:solidFill>
-                <a:latin typeface="Menlo"/>
-                <a:ea typeface="Menlo"/>
-                <a:cs typeface="Menlo"/>
-                <a:sym typeface="Menlo"/>
+                <a:latin typeface="Arial"/>
+                <a:ea typeface="Arial"/>
+                <a:cs typeface="Arial"/>
+                <a:sym typeface="Arial"/>
               </a:defRPr>
             </a:pPr>
             <a:r>
@@ -34200,8 +34185,8 @@
         </p:nvSpPr>
         <p:spPr>
           <a:xfrm>
-            <a:off x="886763" y="1408430"/>
-            <a:ext cx="4690205" cy="2326641"/>
+            <a:off x="920850" y="897115"/>
+            <a:ext cx="5325925" cy="3881002"/>
           </a:xfrm>
           <a:prstGeom prst="rect">
             <a:avLst/>
@@ -34221,9 +34206,9 @@
           </a:bodyPr>
           <a:lstStyle/>
           <a:p>
-            <a:pPr marL="457200" indent="-317500" defTabSz="457200">
+            <a:pPr marL="647700" indent="-508000" defTabSz="457200">
               <a:lnSpc>
-                <a:spcPts val="2700"/>
+                <a:spcPts val="2500"/>
               </a:lnSpc>
               <a:spcBef>
                 <a:spcPts val="0"/>
@@ -34234,14 +34219,14 @@
               <a:buSzPct val="100000"/>
               <a:buFont typeface="Menlo"/>
               <a:buChar char="•"/>
-              <a:defRPr b="0" sz="1000">
+              <a:defRPr b="0" sz="1600">
                 <a:solidFill>
-                  <a:srgbClr val="AA0D91"/>
+                  <a:srgbClr val="5C2699"/>
                 </a:solidFill>
-                <a:latin typeface="Menlo"/>
-                <a:ea typeface="Menlo"/>
-                <a:cs typeface="Menlo"/>
-                <a:sym typeface="Menlo"/>
+                <a:latin typeface="Arial"/>
+                <a:ea typeface="Arial"/>
+                <a:cs typeface="Arial"/>
+                <a:sym typeface="Arial"/>
               </a:defRPr>
             </a:pPr>
             <a:r>
@@ -34278,9 +34263,9 @@
             </a:endParaRPr>
           </a:p>
           <a:p>
-            <a:pPr marL="457200" indent="-317500" defTabSz="457200">
+            <a:pPr marL="647700" indent="-508000" defTabSz="457200">
               <a:lnSpc>
-                <a:spcPts val="2700"/>
+                <a:spcPts val="2500"/>
               </a:lnSpc>
               <a:spcBef>
                 <a:spcPts val="0"/>
@@ -34291,14 +34276,14 @@
               <a:buSzPct val="100000"/>
               <a:buFont typeface="Menlo"/>
               <a:buChar char="•"/>
-              <a:defRPr b="0" sz="1000">
+              <a:defRPr b="0" sz="1600">
                 <a:solidFill>
-                  <a:srgbClr val="3F6E74"/>
+                  <a:srgbClr val="5C2699"/>
                 </a:solidFill>
-                <a:latin typeface="Menlo"/>
-                <a:ea typeface="Menlo"/>
-                <a:cs typeface="Menlo"/>
-                <a:sym typeface="Menlo"/>
+                <a:latin typeface="Arial"/>
+                <a:ea typeface="Arial"/>
+                <a:cs typeface="Arial"/>
+                <a:sym typeface="Arial"/>
               </a:defRPr>
             </a:pPr>
             <a:r>
@@ -34337,11 +34322,6 @@
               <a:t>: </a:t>
             </a:r>
             <a:r>
-              <a:rPr>
-                <a:solidFill>
-                  <a:srgbClr val="5C2699"/>
-                </a:solidFill>
-              </a:rPr>
               <a:t>Int</a:t>
             </a:r>
             <a:endParaRPr>
@@ -34351,9 +34331,9 @@
             </a:endParaRPr>
           </a:p>
           <a:p>
-            <a:pPr marL="457200" indent="-317500" defTabSz="457200">
+            <a:pPr marL="647700" indent="-508000" defTabSz="457200">
               <a:lnSpc>
-                <a:spcPts val="2700"/>
+                <a:spcPts val="2500"/>
               </a:lnSpc>
               <a:spcBef>
                 <a:spcPts val="0"/>
@@ -34364,14 +34344,14 @@
               <a:buSzPct val="100000"/>
               <a:buFont typeface="Menlo"/>
               <a:buChar char="•"/>
-              <a:defRPr b="0" sz="1000">
+              <a:defRPr b="0" sz="1600">
                 <a:solidFill>
-                  <a:srgbClr val="333333"/>
+                  <a:srgbClr val="5C2699"/>
                 </a:solidFill>
-                <a:latin typeface="Menlo"/>
-                <a:ea typeface="Menlo"/>
-                <a:cs typeface="Menlo"/>
-                <a:sym typeface="Menlo"/>
+                <a:latin typeface="Arial"/>
+                <a:ea typeface="Arial"/>
+                <a:cs typeface="Arial"/>
+                <a:sym typeface="Arial"/>
               </a:defRPr>
             </a:pPr>
             <a:r>
@@ -34400,11 +34380,6 @@
               <a:t>: </a:t>
             </a:r>
             <a:r>
-              <a:rPr>
-                <a:solidFill>
-                  <a:srgbClr val="5C2699"/>
-                </a:solidFill>
-              </a:rPr>
               <a:t>Int</a:t>
             </a:r>
             <a:r>
@@ -34412,9 +34387,9 @@
             </a:r>
           </a:p>
           <a:p>
-            <a:pPr marL="457200" indent="-317500" defTabSz="457200">
+            <a:pPr marL="647700" indent="-508000" defTabSz="457200">
               <a:lnSpc>
-                <a:spcPts val="2700"/>
+                <a:spcPts val="2500"/>
               </a:lnSpc>
               <a:spcBef>
                 <a:spcPts val="0"/>
@@ -34425,14 +34400,14 @@
               <a:buSzPct val="100000"/>
               <a:buFont typeface="Menlo"/>
               <a:buChar char="•"/>
-              <a:defRPr b="0" sz="1000">
+              <a:defRPr b="0" sz="1600">
                 <a:solidFill>
-                  <a:srgbClr val="3F6E74"/>
+                  <a:srgbClr val="5C2699"/>
                 </a:solidFill>
-                <a:latin typeface="Menlo"/>
-                <a:ea typeface="Menlo"/>
-                <a:cs typeface="Menlo"/>
-                <a:sym typeface="Menlo"/>
+                <a:latin typeface="Arial"/>
+                <a:ea typeface="Arial"/>
+                <a:cs typeface="Arial"/>
+                <a:sym typeface="Arial"/>
               </a:defRPr>
             </a:pPr>
             <a:r>
@@ -34505,9 +34480,9 @@
             </a:endParaRPr>
           </a:p>
           <a:p>
-            <a:pPr marL="457200" indent="-317500" defTabSz="457200">
+            <a:pPr marL="647700" indent="-508000" defTabSz="457200">
               <a:lnSpc>
-                <a:spcPts val="2700"/>
+                <a:spcPts val="2500"/>
               </a:lnSpc>
               <a:spcBef>
                 <a:spcPts val="0"/>
@@ -34518,14 +34493,14 @@
               <a:buSzPct val="100000"/>
               <a:buFont typeface="Menlo"/>
               <a:buChar char="•"/>
-              <a:defRPr b="0" sz="1000">
+              <a:defRPr b="0" sz="1600">
                 <a:solidFill>
-                  <a:srgbClr val="333333"/>
+                  <a:srgbClr val="5C2699"/>
                 </a:solidFill>
-                <a:latin typeface="Menlo"/>
-                <a:ea typeface="Menlo"/>
-                <a:cs typeface="Menlo"/>
-                <a:sym typeface="Menlo"/>
+                <a:latin typeface="Arial"/>
+                <a:ea typeface="Arial"/>
+                <a:cs typeface="Arial"/>
+                <a:sym typeface="Arial"/>
               </a:defRPr>
             </a:pPr>
             <a:r>
@@ -34533,9 +34508,9 @@
             </a:r>
           </a:p>
           <a:p>
-            <a:pPr marL="457200" indent="-317500" defTabSz="457200">
+            <a:pPr marL="647700" indent="-508000" defTabSz="457200">
               <a:lnSpc>
-                <a:spcPts val="2700"/>
+                <a:spcPts val="2500"/>
               </a:lnSpc>
               <a:spcBef>
                 <a:spcPts val="0"/>
@@ -34546,14 +34521,14 @@
               <a:buSzPct val="100000"/>
               <a:buFont typeface="Menlo"/>
               <a:buChar char="•"/>
-              <a:defRPr b="0" sz="1000">
+              <a:defRPr b="0" sz="1600">
                 <a:solidFill>
-                  <a:srgbClr val="333333"/>
+                  <a:srgbClr val="5C2699"/>
                 </a:solidFill>
-                <a:latin typeface="Menlo"/>
-                <a:ea typeface="Menlo"/>
-                <a:cs typeface="Menlo"/>
-                <a:sym typeface="Menlo"/>
+                <a:latin typeface="Arial"/>
+                <a:ea typeface="Arial"/>
+                <a:cs typeface="Arial"/>
+                <a:sym typeface="Arial"/>
               </a:defRPr>
             </a:pPr>
             <a:r>
@@ -34593,11 +34568,6 @@
               <a:t>: </a:t>
             </a:r>
             <a:r>
-              <a:rPr>
-                <a:solidFill>
-                  <a:srgbClr val="5C2699"/>
-                </a:solidFill>
-              </a:rPr>
               <a:t>Int</a:t>
             </a:r>
             <a:r>
@@ -34605,9 +34575,9 @@
             </a:r>
           </a:p>
           <a:p>
-            <a:pPr marL="457200" indent="-317500" defTabSz="457200">
+            <a:pPr marL="647700" indent="-508000" defTabSz="457200">
               <a:lnSpc>
-                <a:spcPts val="2700"/>
+                <a:spcPts val="2500"/>
               </a:lnSpc>
               <a:spcBef>
                 <a:spcPts val="0"/>
@@ -34618,14 +34588,14 @@
               <a:buSzPct val="100000"/>
               <a:buFont typeface="Menlo"/>
               <a:buChar char="•"/>
-              <a:defRPr b="0" sz="1000">
+              <a:defRPr b="0" sz="1600">
                 <a:solidFill>
-                  <a:srgbClr val="3F6E74"/>
+                  <a:srgbClr val="5C2699"/>
                 </a:solidFill>
-                <a:latin typeface="Menlo"/>
-                <a:ea typeface="Menlo"/>
-                <a:cs typeface="Menlo"/>
-                <a:sym typeface="Menlo"/>
+                <a:latin typeface="Arial"/>
+                <a:ea typeface="Arial"/>
+                <a:cs typeface="Arial"/>
+                <a:sym typeface="Arial"/>
               </a:defRPr>
             </a:pPr>
             <a:r>
@@ -34698,9 +34668,9 @@
             </a:endParaRPr>
           </a:p>
           <a:p>
-            <a:pPr marL="457200" indent="-317500" defTabSz="457200">
+            <a:pPr marL="647700" indent="-508000" defTabSz="457200">
               <a:lnSpc>
-                <a:spcPts val="2700"/>
+                <a:spcPts val="2500"/>
               </a:lnSpc>
               <a:spcBef>
                 <a:spcPts val="0"/>
@@ -34711,14 +34681,14 @@
               <a:buSzPct val="100000"/>
               <a:buFont typeface="Menlo"/>
               <a:buChar char="•"/>
-              <a:defRPr b="0" sz="1000">
+              <a:defRPr b="0" sz="1600">
                 <a:solidFill>
-                  <a:srgbClr val="333333"/>
+                  <a:srgbClr val="5C2699"/>
                 </a:solidFill>
-                <a:latin typeface="Menlo"/>
-                <a:ea typeface="Menlo"/>
-                <a:cs typeface="Menlo"/>
-                <a:sym typeface="Menlo"/>
+                <a:latin typeface="Arial"/>
+                <a:ea typeface="Arial"/>
+                <a:cs typeface="Arial"/>
+                <a:sym typeface="Arial"/>
               </a:defRPr>
             </a:pPr>
             <a:r>
@@ -34726,9 +34696,9 @@
             </a:r>
           </a:p>
           <a:p>
-            <a:pPr marL="457200" indent="-317500" defTabSz="457200">
+            <a:pPr marL="647700" indent="-508000" defTabSz="457200">
               <a:lnSpc>
-                <a:spcPts val="2700"/>
+                <a:spcPts val="2500"/>
               </a:lnSpc>
               <a:spcBef>
                 <a:spcPts val="0"/>
@@ -34739,14 +34709,14 @@
               <a:buSzPct val="100000"/>
               <a:buFont typeface="Menlo"/>
               <a:buChar char="•"/>
-              <a:defRPr b="0" sz="1000">
+              <a:defRPr b="0" sz="1600">
                 <a:solidFill>
-                  <a:srgbClr val="333333"/>
+                  <a:srgbClr val="5C2699"/>
                 </a:solidFill>
-                <a:latin typeface="Menlo"/>
-                <a:ea typeface="Menlo"/>
-                <a:cs typeface="Menlo"/>
-                <a:sym typeface="Menlo"/>
+                <a:latin typeface="Arial"/>
+                <a:ea typeface="Arial"/>
+                <a:cs typeface="Arial"/>
+                <a:sym typeface="Arial"/>
               </a:defRPr>
             </a:pPr>
             <a:r>
@@ -34765,9 +34735,9 @@
             </a:r>
           </a:p>
           <a:p>
-            <a:pPr marL="457200" indent="-317500" defTabSz="457200">
+            <a:pPr marL="647700" indent="-508000" defTabSz="457200">
               <a:lnSpc>
-                <a:spcPts val="2700"/>
+                <a:spcPts val="2500"/>
               </a:lnSpc>
               <a:spcBef>
                 <a:spcPts val="0"/>
@@ -34778,14 +34748,14 @@
               <a:buSzPct val="100000"/>
               <a:buFont typeface="Menlo"/>
               <a:buChar char="•"/>
-              <a:defRPr b="0" sz="1000">
+              <a:defRPr b="0" sz="1600">
                 <a:solidFill>
-                  <a:srgbClr val="3F6E74"/>
+                  <a:srgbClr val="5C2699"/>
                 </a:solidFill>
-                <a:latin typeface="Menlo"/>
-                <a:ea typeface="Menlo"/>
-                <a:cs typeface="Menlo"/>
-                <a:sym typeface="Menlo"/>
+                <a:latin typeface="Arial"/>
+                <a:ea typeface="Arial"/>
+                <a:cs typeface="Arial"/>
+                <a:sym typeface="Arial"/>
               </a:defRPr>
             </a:pPr>
             <a:r>
@@ -34847,9 +34817,9 @@
             </a:endParaRPr>
           </a:p>
           <a:p>
-            <a:pPr marL="457200" indent="-317500" defTabSz="457200">
+            <a:pPr marL="647700" indent="-508000" defTabSz="457200">
               <a:lnSpc>
-                <a:spcPts val="2700"/>
+                <a:spcPts val="2500"/>
               </a:lnSpc>
               <a:spcBef>
                 <a:spcPts val="0"/>
@@ -34860,14 +34830,14 @@
               <a:buSzPct val="100000"/>
               <a:buFont typeface="Menlo"/>
               <a:buChar char="•"/>
-              <a:defRPr b="0" sz="1000">
+              <a:defRPr b="0" sz="1600">
                 <a:solidFill>
-                  <a:srgbClr val="333333"/>
+                  <a:srgbClr val="5C2699"/>
                 </a:solidFill>
-                <a:latin typeface="Menlo"/>
-                <a:ea typeface="Menlo"/>
-                <a:cs typeface="Menlo"/>
-                <a:sym typeface="Menlo"/>
+                <a:latin typeface="Arial"/>
+                <a:ea typeface="Arial"/>
+                <a:cs typeface="Arial"/>
+                <a:sym typeface="Arial"/>
               </a:defRPr>
             </a:pPr>
             <a:r>
@@ -34875,9 +34845,9 @@
             </a:r>
           </a:p>
           <a:p>
-            <a:pPr marL="457200" indent="-317500" defTabSz="457200">
+            <a:pPr marL="647700" indent="-508000" defTabSz="457200">
               <a:lnSpc>
-                <a:spcPts val="2700"/>
+                <a:spcPts val="2500"/>
               </a:lnSpc>
               <a:spcBef>
                 <a:spcPts val="0"/>
@@ -34888,14 +34858,14 @@
               <a:buSzPct val="100000"/>
               <a:buFont typeface="Menlo"/>
               <a:buChar char="•"/>
-              <a:defRPr b="0" sz="1000">
+              <a:defRPr b="0" sz="1600">
                 <a:solidFill>
-                  <a:srgbClr val="333333"/>
+                  <a:srgbClr val="5C2699"/>
                 </a:solidFill>
-                <a:latin typeface="Menlo"/>
-                <a:ea typeface="Menlo"/>
-                <a:cs typeface="Menlo"/>
-                <a:sym typeface="Menlo"/>
+                <a:latin typeface="Arial"/>
+                <a:ea typeface="Arial"/>
+                <a:cs typeface="Arial"/>
+                <a:sym typeface="Arial"/>
               </a:defRPr>
             </a:pPr>
             <a:r>
@@ -35048,7 +35018,7 @@
         <p:spPr>
           <a:xfrm>
             <a:off x="891024" y="1114424"/>
-            <a:ext cx="6066493" cy="878841"/>
+            <a:ext cx="5584152" cy="1157365"/>
           </a:xfrm>
           <a:prstGeom prst="rect">
             <a:avLst/>
@@ -35068,9 +35038,9 @@
           </a:bodyPr>
           <a:lstStyle/>
           <a:p>
-            <a:pPr marL="457200" indent="-317500" defTabSz="457200">
+            <a:pPr marL="527755" indent="-388055" defTabSz="457200">
               <a:lnSpc>
-                <a:spcPts val="2300"/>
+                <a:spcPts val="1700"/>
               </a:lnSpc>
               <a:spcBef>
                 <a:spcPts val="0"/>
@@ -35081,14 +35051,14 @@
               <a:buSzPct val="100000"/>
               <a:buFont typeface="Menlo"/>
               <a:buChar char="•"/>
-              <a:defRPr b="0" sz="900">
+              <a:defRPr b="0" sz="1100">
                 <a:solidFill>
-                  <a:srgbClr val="3F6E74"/>
+                  <a:srgbClr val="5C2699"/>
                 </a:solidFill>
-                <a:latin typeface="Menlo"/>
-                <a:ea typeface="Menlo"/>
-                <a:cs typeface="Menlo"/>
-                <a:sym typeface="Menlo"/>
+                <a:latin typeface="Arial"/>
+                <a:ea typeface="Arial"/>
+                <a:cs typeface="Arial"/>
+                <a:sym typeface="Arial"/>
               </a:defRPr>
             </a:pPr>
             <a:r>
@@ -35119,11 +35089,6 @@
               <a:t>: </a:t>
             </a:r>
             <a:r>
-              <a:rPr>
-                <a:solidFill>
-                  <a:srgbClr val="5C2699"/>
-                </a:solidFill>
-              </a:rPr>
               <a:t>Player</a:t>
             </a:r>
             <a:r>
@@ -35179,9 +35144,9 @@
             </a:endParaRPr>
           </a:p>
           <a:p>
-            <a:pPr marL="457200" indent="-317500" defTabSz="457200">
+            <a:pPr marL="527755" indent="-388055" defTabSz="457200">
               <a:lnSpc>
-                <a:spcPts val="2300"/>
+                <a:spcPts val="1700"/>
               </a:lnSpc>
               <a:spcBef>
                 <a:spcPts val="0"/>
@@ -35192,14 +35157,14 @@
               <a:buSzPct val="100000"/>
               <a:buFont typeface="Menlo"/>
               <a:buChar char="•"/>
-              <a:defRPr b="0" sz="900">
+              <a:defRPr b="0" sz="1100">
                 <a:solidFill>
-                  <a:srgbClr val="C41A16"/>
+                  <a:srgbClr val="5C2699"/>
                 </a:solidFill>
-                <a:latin typeface="Menlo"/>
-                <a:ea typeface="Menlo"/>
-                <a:cs typeface="Menlo"/>
-                <a:sym typeface="Menlo"/>
+                <a:latin typeface="Arial"/>
+                <a:ea typeface="Arial"/>
+                <a:cs typeface="Arial"/>
+                <a:sym typeface="Arial"/>
               </a:defRPr>
             </a:pPr>
             <a:r>
@@ -35279,9 +35244,9 @@
             </a:endParaRPr>
           </a:p>
           <a:p>
-            <a:pPr marL="457200" indent="-317500" defTabSz="457200">
+            <a:pPr marL="527755" indent="-388055" defTabSz="457200">
               <a:lnSpc>
-                <a:spcPts val="2300"/>
+                <a:spcPts val="1700"/>
               </a:lnSpc>
               <a:spcBef>
                 <a:spcPts val="0"/>
@@ -35292,14 +35257,14 @@
               <a:buSzPct val="100000"/>
               <a:buFont typeface="Menlo"/>
               <a:buChar char="•"/>
-              <a:defRPr b="0" sz="900">
+              <a:defRPr b="0" sz="1100">
                 <a:solidFill>
-                  <a:srgbClr val="007400"/>
+                  <a:srgbClr val="5C2699"/>
                 </a:solidFill>
-                <a:latin typeface="Menlo"/>
-                <a:ea typeface="Menlo"/>
-                <a:cs typeface="Menlo"/>
-                <a:sym typeface="Menlo"/>
+                <a:latin typeface="Arial"/>
+                <a:ea typeface="Arial"/>
+                <a:cs typeface="Arial"/>
+                <a:sym typeface="Arial"/>
               </a:defRPr>
             </a:pPr>
             <a:r>
@@ -35312,9 +35277,9 @@
             </a:endParaRPr>
           </a:p>
           <a:p>
-            <a:pPr marL="457200" indent="-317500" defTabSz="457200">
+            <a:pPr marL="527755" indent="-388055" defTabSz="457200">
               <a:lnSpc>
-                <a:spcPts val="2300"/>
+                <a:spcPts val="1700"/>
               </a:lnSpc>
               <a:spcBef>
                 <a:spcPts val="0"/>
@@ -35325,14 +35290,14 @@
               <a:buSzPct val="100000"/>
               <a:buFont typeface="Menlo"/>
               <a:buChar char="•"/>
-              <a:defRPr b="0" sz="900">
+              <a:defRPr b="0" sz="1100">
                 <a:solidFill>
-                  <a:srgbClr val="C41A16"/>
+                  <a:srgbClr val="5C2699"/>
                 </a:solidFill>
-                <a:latin typeface="Menlo"/>
-                <a:ea typeface="Menlo"/>
-                <a:cs typeface="Menlo"/>
-                <a:sym typeface="Menlo"/>
+                <a:latin typeface="Arial"/>
+                <a:ea typeface="Arial"/>
+                <a:cs typeface="Arial"/>
+                <a:sym typeface="Arial"/>
               </a:defRPr>
             </a:pPr>
             <a:r>
@@ -35412,9 +35377,9 @@
             </a:endParaRPr>
           </a:p>
           <a:p>
-            <a:pPr marL="457200" indent="-317500" defTabSz="457200">
+            <a:pPr marL="527755" indent="-388055" defTabSz="457200">
               <a:lnSpc>
-                <a:spcPts val="2300"/>
+                <a:spcPts val="1700"/>
               </a:lnSpc>
               <a:spcBef>
                 <a:spcPts val="0"/>
@@ -35425,14 +35390,14 @@
               <a:buSzPct val="100000"/>
               <a:buFont typeface="Menlo"/>
               <a:buChar char="•"/>
-              <a:defRPr b="0" sz="900">
+              <a:defRPr b="0" sz="1100">
                 <a:solidFill>
-                  <a:srgbClr val="007400"/>
+                  <a:srgbClr val="5C2699"/>
                 </a:solidFill>
-                <a:latin typeface="Menlo"/>
-                <a:ea typeface="Menlo"/>
-                <a:cs typeface="Menlo"/>
-                <a:sym typeface="Menlo"/>
+                <a:latin typeface="Arial"/>
+                <a:ea typeface="Arial"/>
+                <a:cs typeface="Arial"/>
+                <a:sym typeface="Arial"/>
               </a:defRPr>
             </a:pPr>
             <a:r>
@@ -35449,8 +35414,8 @@
         </p:nvSpPr>
         <p:spPr>
           <a:xfrm>
-            <a:off x="891024" y="2203979"/>
-            <a:ext cx="5860050" cy="878841"/>
+            <a:off x="902688" y="2410067"/>
+            <a:ext cx="5560824" cy="1157366"/>
           </a:xfrm>
           <a:prstGeom prst="rect">
             <a:avLst/>
@@ -35470,9 +35435,9 @@
           </a:bodyPr>
           <a:lstStyle/>
           <a:p>
-            <a:pPr marL="457200" indent="-317500" defTabSz="457200">
+            <a:pPr marL="527755" indent="-388055" defTabSz="457200">
               <a:lnSpc>
-                <a:spcPts val="2300"/>
+                <a:spcPts val="1700"/>
               </a:lnSpc>
               <a:spcBef>
                 <a:spcPts val="0"/>
@@ -35483,14 +35448,14 @@
               <a:buSzPct val="100000"/>
               <a:buFont typeface="Menlo"/>
               <a:buChar char="•"/>
-              <a:defRPr b="0" sz="900">
+              <a:defRPr b="0" sz="1100">
                 <a:solidFill>
-                  <a:srgbClr val="3F6E74"/>
+                  <a:srgbClr val="5C2699"/>
                 </a:solidFill>
-                <a:latin typeface="Menlo"/>
-                <a:ea typeface="Menlo"/>
-                <a:cs typeface="Menlo"/>
-                <a:sym typeface="Menlo"/>
+                <a:latin typeface="Arial"/>
+                <a:ea typeface="Arial"/>
+                <a:cs typeface="Arial"/>
+                <a:sym typeface="Arial"/>
               </a:defRPr>
             </a:pPr>
             <a:r>
@@ -35549,9 +35514,9 @@
             </a:endParaRPr>
           </a:p>
           <a:p>
-            <a:pPr marL="457200" indent="-317500" defTabSz="457200">
+            <a:pPr marL="527755" indent="-388055" defTabSz="457200">
               <a:lnSpc>
-                <a:spcPts val="2300"/>
+                <a:spcPts val="1700"/>
               </a:lnSpc>
               <a:spcBef>
                 <a:spcPts val="0"/>
@@ -35562,14 +35527,14 @@
               <a:buSzPct val="100000"/>
               <a:buFont typeface="Menlo"/>
               <a:buChar char="•"/>
-              <a:defRPr b="0" sz="900">
+              <a:defRPr b="0" sz="1100">
                 <a:solidFill>
-                  <a:srgbClr val="C41A16"/>
+                  <a:srgbClr val="5C2699"/>
                 </a:solidFill>
-                <a:latin typeface="Menlo"/>
-                <a:ea typeface="Menlo"/>
-                <a:cs typeface="Menlo"/>
-                <a:sym typeface="Menlo"/>
+                <a:latin typeface="Arial"/>
+                <a:ea typeface="Arial"/>
+                <a:cs typeface="Arial"/>
+                <a:sym typeface="Arial"/>
               </a:defRPr>
             </a:pPr>
             <a:r>
@@ -35649,9 +35614,9 @@
             </a:endParaRPr>
           </a:p>
           <a:p>
-            <a:pPr marL="457200" indent="-317500" defTabSz="457200">
+            <a:pPr marL="527755" indent="-388055" defTabSz="457200">
               <a:lnSpc>
-                <a:spcPts val="2300"/>
+                <a:spcPts val="1700"/>
               </a:lnSpc>
               <a:spcBef>
                 <a:spcPts val="0"/>
@@ -35662,14 +35627,14 @@
               <a:buSzPct val="100000"/>
               <a:buFont typeface="Menlo"/>
               <a:buChar char="•"/>
-              <a:defRPr b="0" sz="900">
+              <a:defRPr b="0" sz="1100">
                 <a:solidFill>
-                  <a:srgbClr val="007400"/>
+                  <a:srgbClr val="5C2699"/>
                 </a:solidFill>
-                <a:latin typeface="Menlo"/>
-                <a:ea typeface="Menlo"/>
-                <a:cs typeface="Menlo"/>
-                <a:sym typeface="Menlo"/>
+                <a:latin typeface="Arial"/>
+                <a:ea typeface="Arial"/>
+                <a:cs typeface="Arial"/>
+                <a:sym typeface="Arial"/>
               </a:defRPr>
             </a:pPr>
             <a:r>
@@ -35682,9 +35647,9 @@
             </a:endParaRPr>
           </a:p>
           <a:p>
-            <a:pPr marL="457200" indent="-317500" defTabSz="457200">
+            <a:pPr marL="527755" indent="-388055" defTabSz="457200">
               <a:lnSpc>
-                <a:spcPts val="2300"/>
+                <a:spcPts val="1700"/>
               </a:lnSpc>
               <a:spcBef>
                 <a:spcPts val="0"/>
@@ -35695,14 +35660,14 @@
               <a:buSzPct val="100000"/>
               <a:buFont typeface="Menlo"/>
               <a:buChar char="•"/>
-              <a:defRPr b="0" sz="900">
+              <a:defRPr b="0" sz="1100">
                 <a:solidFill>
-                  <a:srgbClr val="C41A16"/>
+                  <a:srgbClr val="5C2699"/>
                 </a:solidFill>
-                <a:latin typeface="Menlo"/>
-                <a:ea typeface="Menlo"/>
-                <a:cs typeface="Menlo"/>
-                <a:sym typeface="Menlo"/>
+                <a:latin typeface="Arial"/>
+                <a:ea typeface="Arial"/>
+                <a:cs typeface="Arial"/>
+                <a:sym typeface="Arial"/>
               </a:defRPr>
             </a:pPr>
             <a:r>
@@ -35782,9 +35747,9 @@
             </a:endParaRPr>
           </a:p>
           <a:p>
-            <a:pPr marL="457200" indent="-317500" defTabSz="457200">
+            <a:pPr marL="527755" indent="-388055" defTabSz="457200">
               <a:lnSpc>
-                <a:spcPts val="2300"/>
+                <a:spcPts val="1700"/>
               </a:lnSpc>
               <a:spcBef>
                 <a:spcPts val="0"/>
@@ -35795,14 +35760,14 @@
               <a:buSzPct val="100000"/>
               <a:buFont typeface="Menlo"/>
               <a:buChar char="•"/>
-              <a:defRPr b="0" sz="900">
+              <a:defRPr b="0" sz="1100">
                 <a:solidFill>
-                  <a:srgbClr val="007400"/>
+                  <a:srgbClr val="5C2699"/>
                 </a:solidFill>
-                <a:latin typeface="Menlo"/>
-                <a:ea typeface="Menlo"/>
-                <a:cs typeface="Menlo"/>
-                <a:sym typeface="Menlo"/>
+                <a:latin typeface="Arial"/>
+                <a:ea typeface="Arial"/>
+                <a:cs typeface="Arial"/>
+                <a:sym typeface="Arial"/>
               </a:defRPr>
             </a:pPr>
             <a:r>
@@ -35819,8 +35784,8 @@
         </p:nvSpPr>
         <p:spPr>
           <a:xfrm>
-            <a:off x="891024" y="3378729"/>
-            <a:ext cx="4139690" cy="878841"/>
+            <a:off x="886763" y="3702561"/>
+            <a:ext cx="3930194" cy="1157366"/>
           </a:xfrm>
           <a:prstGeom prst="rect">
             <a:avLst/>
@@ -35840,9 +35805,9 @@
           </a:bodyPr>
           <a:lstStyle/>
           <a:p>
-            <a:pPr marL="457200" indent="-317500" defTabSz="457200">
+            <a:pPr marL="527755" indent="-388055" defTabSz="457200">
               <a:lnSpc>
-                <a:spcPts val="2300"/>
+                <a:spcPts val="1700"/>
               </a:lnSpc>
               <a:spcBef>
                 <a:spcPts val="0"/>
@@ -35853,14 +35818,14 @@
               <a:buSzPct val="100000"/>
               <a:buFont typeface="Menlo"/>
               <a:buChar char="•"/>
-              <a:defRPr b="0" sz="900">
+              <a:defRPr b="0" sz="1100">
                 <a:solidFill>
-                  <a:srgbClr val="3F6E74"/>
+                  <a:srgbClr val="5C2699"/>
                 </a:solidFill>
-                <a:latin typeface="Menlo"/>
-                <a:ea typeface="Menlo"/>
-                <a:cs typeface="Menlo"/>
-                <a:sym typeface="Menlo"/>
+                <a:latin typeface="Arial"/>
+                <a:ea typeface="Arial"/>
+                <a:cs typeface="Arial"/>
+                <a:sym typeface="Arial"/>
               </a:defRPr>
             </a:pPr>
             <a:r>
@@ -35889,9 +35854,9 @@
             </a:endParaRPr>
           </a:p>
           <a:p>
-            <a:pPr marL="457200" indent="-317500" defTabSz="457200">
+            <a:pPr marL="527755" indent="-388055" defTabSz="457200">
               <a:lnSpc>
-                <a:spcPts val="2300"/>
+                <a:spcPts val="1700"/>
               </a:lnSpc>
               <a:spcBef>
                 <a:spcPts val="0"/>
@@ -35902,14 +35867,14 @@
               <a:buSzPct val="100000"/>
               <a:buFont typeface="Menlo"/>
               <a:buChar char="•"/>
-              <a:defRPr b="0" sz="900">
+              <a:defRPr b="0" sz="1100">
                 <a:solidFill>
-                  <a:srgbClr val="C41A16"/>
+                  <a:srgbClr val="5C2699"/>
                 </a:solidFill>
-                <a:latin typeface="Menlo"/>
-                <a:ea typeface="Menlo"/>
-                <a:cs typeface="Menlo"/>
-                <a:sym typeface="Menlo"/>
+                <a:latin typeface="Arial"/>
+                <a:ea typeface="Arial"/>
+                <a:cs typeface="Arial"/>
+                <a:sym typeface="Arial"/>
               </a:defRPr>
             </a:pPr>
             <a:r>
@@ -35946,9 +35911,9 @@
             </a:endParaRPr>
           </a:p>
           <a:p>
-            <a:pPr marL="457200" indent="-317500" defTabSz="457200">
+            <a:pPr marL="527755" indent="-388055" defTabSz="457200">
               <a:lnSpc>
-                <a:spcPts val="2300"/>
+                <a:spcPts val="1700"/>
               </a:lnSpc>
               <a:spcBef>
                 <a:spcPts val="0"/>
@@ -35959,14 +35924,14 @@
               <a:buSzPct val="100000"/>
               <a:buFont typeface="Menlo"/>
               <a:buChar char="•"/>
-              <a:defRPr b="0" sz="900">
+              <a:defRPr b="0" sz="1100">
                 <a:solidFill>
-                  <a:srgbClr val="007400"/>
+                  <a:srgbClr val="5C2699"/>
                 </a:solidFill>
-                <a:latin typeface="Menlo"/>
-                <a:ea typeface="Menlo"/>
-                <a:cs typeface="Menlo"/>
-                <a:sym typeface="Menlo"/>
+                <a:latin typeface="Arial"/>
+                <a:ea typeface="Arial"/>
+                <a:cs typeface="Arial"/>
+                <a:sym typeface="Arial"/>
               </a:defRPr>
             </a:pPr>
             <a:r>
@@ -35979,9 +35944,9 @@
             </a:endParaRPr>
           </a:p>
           <a:p>
-            <a:pPr marL="457200" indent="-317500" defTabSz="457200">
+            <a:pPr marL="527755" indent="-388055" defTabSz="457200">
               <a:lnSpc>
-                <a:spcPts val="2300"/>
+                <a:spcPts val="1700"/>
               </a:lnSpc>
               <a:spcBef>
                 <a:spcPts val="0"/>
@@ -35992,14 +35957,14 @@
               <a:buSzPct val="100000"/>
               <a:buFont typeface="Menlo"/>
               <a:buChar char="•"/>
-              <a:defRPr b="0" sz="900">
+              <a:defRPr b="0" sz="1100">
                 <a:solidFill>
-                  <a:srgbClr val="C41A16"/>
+                  <a:srgbClr val="5C2699"/>
                 </a:solidFill>
-                <a:latin typeface="Menlo"/>
-                <a:ea typeface="Menlo"/>
-                <a:cs typeface="Menlo"/>
-                <a:sym typeface="Menlo"/>
+                <a:latin typeface="Arial"/>
+                <a:ea typeface="Arial"/>
+                <a:cs typeface="Arial"/>
+                <a:sym typeface="Arial"/>
               </a:defRPr>
             </a:pPr>
             <a:r>
@@ -36079,9 +36044,9 @@
             </a:endParaRPr>
           </a:p>
           <a:p>
-            <a:pPr marL="457200" indent="-317500" defTabSz="457200">
+            <a:pPr marL="527755" indent="-388055" defTabSz="457200">
               <a:lnSpc>
-                <a:spcPts val="2300"/>
+                <a:spcPts val="1700"/>
               </a:lnSpc>
               <a:spcBef>
                 <a:spcPts val="0"/>
@@ -36092,14 +36057,14 @@
               <a:buSzPct val="100000"/>
               <a:buFont typeface="Menlo"/>
               <a:buChar char="•"/>
-              <a:defRPr b="0" sz="900">
+              <a:defRPr b="0" sz="1100">
                 <a:solidFill>
-                  <a:srgbClr val="007400"/>
+                  <a:srgbClr val="5C2699"/>
                 </a:solidFill>
-                <a:latin typeface="Menlo"/>
-                <a:ea typeface="Menlo"/>
-                <a:cs typeface="Menlo"/>
-                <a:sym typeface="Menlo"/>
+                <a:latin typeface="Arial"/>
+                <a:ea typeface="Arial"/>
+                <a:cs typeface="Arial"/>
+                <a:sym typeface="Arial"/>
               </a:defRPr>
             </a:pPr>
             <a:r>
